--- a/Dashboard/Dashboard.pptx
+++ b/Dashboard/Dashboard.pptx
@@ -9,11 +9,12 @@
     <p:sldId id="257" r:id="rId3"/>
     <p:sldId id="258" r:id="rId4"/>
     <p:sldId id="259" r:id="rId5"/>
-    <p:sldId id="260" r:id="rId6"/>
-    <p:sldId id="261" r:id="rId7"/>
-    <p:sldId id="263" r:id="rId8"/>
-    <p:sldId id="264" r:id="rId9"/>
-    <p:sldId id="262" r:id="rId10"/>
+    <p:sldId id="265" r:id="rId6"/>
+    <p:sldId id="260" r:id="rId7"/>
+    <p:sldId id="261" r:id="rId8"/>
+    <p:sldId id="267" r:id="rId9"/>
+    <p:sldId id="266" r:id="rId10"/>
+    <p:sldId id="264" r:id="rId11"/>
   </p:sldIdLst>
   <p:sldSz cx="12192000" cy="6858000"/>
   <p:notesSz cx="6858000" cy="9144000"/>
@@ -112,7 +113,255 @@
       </a:defRPr>
     </a:lvl9pPr>
   </p:defaultTextStyle>
+  <p:extLst>
+    <p:ext uri="{EFAFB233-063F-42B5-8137-9DF3F51BA10A}">
+      <p15:sldGuideLst xmlns:p15="http://schemas.microsoft.com/office/powerpoint/2012/main"/>
+    </p:ext>
+  </p:extLst>
 </p:presentation>
+</file>
+
+<file path=ppt/revisionInfo.xml><?xml version="1.0" encoding="utf-8"?>
+<p1510:revInfo xmlns:a="http://schemas.openxmlformats.org/drawingml/2006/main" xmlns:r="http://schemas.openxmlformats.org/officeDocument/2006/relationships" xmlns:p1510="http://schemas.microsoft.com/office/powerpoint/2015/10/main">
+  <p1510:revLst>
+    <p1510:client id="{1A614512-55F0-CC48-838D-6783505E3DC2}" v="3" dt="2022-05-23T23:45:01.684"/>
+  </p1510:revLst>
+</p1510:revInfo>
+</file>
+
+<file path=ppt/changesInfos/changesInfo1.xml><?xml version="1.0" encoding="utf-8"?>
+<pc:chgInfo xmlns:a="http://schemas.openxmlformats.org/drawingml/2006/main" xmlns:r="http://schemas.openxmlformats.org/officeDocument/2006/relationships" xmlns:ac="http://schemas.microsoft.com/office/drawing/2013/main/command" xmlns:pc="http://schemas.microsoft.com/office/powerpoint/2013/main/command">
+  <pc:docChgLst>
+    <pc:chgData name="Christopher Ryan" userId="d88f36e9667cf5e3" providerId="LiveId" clId="{1A614512-55F0-CC48-838D-6783505E3DC2}"/>
+    <pc:docChg chg="custSel addSld delSld modSld">
+      <pc:chgData name="Christopher Ryan" userId="d88f36e9667cf5e3" providerId="LiveId" clId="{1A614512-55F0-CC48-838D-6783505E3DC2}" dt="2022-05-23T23:51:43.859" v="792" actId="20577"/>
+      <pc:docMkLst>
+        <pc:docMk/>
+      </pc:docMkLst>
+      <pc:sldChg chg="modSp mod">
+        <pc:chgData name="Christopher Ryan" userId="d88f36e9667cf5e3" providerId="LiveId" clId="{1A614512-55F0-CC48-838D-6783505E3DC2}" dt="2022-05-23T23:46:55.261" v="598" actId="20577"/>
+        <pc:sldMkLst>
+          <pc:docMk/>
+          <pc:sldMk cId="3925709727" sldId="257"/>
+        </pc:sldMkLst>
+        <pc:spChg chg="mod">
+          <ac:chgData name="Christopher Ryan" userId="d88f36e9667cf5e3" providerId="LiveId" clId="{1A614512-55F0-CC48-838D-6783505E3DC2}" dt="2022-05-23T23:46:55.261" v="598" actId="20577"/>
+          <ac:spMkLst>
+            <pc:docMk/>
+            <pc:sldMk cId="3925709727" sldId="257"/>
+            <ac:spMk id="2" creationId="{1C05888E-6273-1CC3-BFC9-5D2BEA6C2BA2}"/>
+          </ac:spMkLst>
+        </pc:spChg>
+        <pc:spChg chg="mod">
+          <ac:chgData name="Christopher Ryan" userId="d88f36e9667cf5e3" providerId="LiveId" clId="{1A614512-55F0-CC48-838D-6783505E3DC2}" dt="2022-05-23T23:46:47.310" v="587" actId="20577"/>
+          <ac:spMkLst>
+            <pc:docMk/>
+            <pc:sldMk cId="3925709727" sldId="257"/>
+            <ac:spMk id="3" creationId="{23EFB463-14B2-218F-54A4-11F1675AA49D}"/>
+          </ac:spMkLst>
+        </pc:spChg>
+      </pc:sldChg>
+      <pc:sldChg chg="modSp mod">
+        <pc:chgData name="Christopher Ryan" userId="d88f36e9667cf5e3" providerId="LiveId" clId="{1A614512-55F0-CC48-838D-6783505E3DC2}" dt="2022-05-23T23:48:36.174" v="637" actId="20577"/>
+        <pc:sldMkLst>
+          <pc:docMk/>
+          <pc:sldMk cId="1977552128" sldId="258"/>
+        </pc:sldMkLst>
+        <pc:spChg chg="mod">
+          <ac:chgData name="Christopher Ryan" userId="d88f36e9667cf5e3" providerId="LiveId" clId="{1A614512-55F0-CC48-838D-6783505E3DC2}" dt="2022-05-23T23:48:36.174" v="637" actId="20577"/>
+          <ac:spMkLst>
+            <pc:docMk/>
+            <pc:sldMk cId="1977552128" sldId="258"/>
+            <ac:spMk id="2" creationId="{12F1735A-21AF-7CCE-73E4-C1F2973600AF}"/>
+          </ac:spMkLst>
+        </pc:spChg>
+        <pc:spChg chg="mod">
+          <ac:chgData name="Christopher Ryan" userId="d88f36e9667cf5e3" providerId="LiveId" clId="{1A614512-55F0-CC48-838D-6783505E3DC2}" dt="2022-05-23T23:48:08.558" v="627" actId="20577"/>
+          <ac:spMkLst>
+            <pc:docMk/>
+            <pc:sldMk cId="1977552128" sldId="258"/>
+            <ac:spMk id="3" creationId="{7D588D0F-8E39-E3AA-B9AA-AB0FE15949CE}"/>
+          </ac:spMkLst>
+        </pc:spChg>
+      </pc:sldChg>
+      <pc:sldChg chg="addSp delSp modSp mod">
+        <pc:chgData name="Christopher Ryan" userId="d88f36e9667cf5e3" providerId="LiveId" clId="{1A614512-55F0-CC48-838D-6783505E3DC2}" dt="2022-05-23T23:49:27.131" v="681" actId="20577"/>
+        <pc:sldMkLst>
+          <pc:docMk/>
+          <pc:sldMk cId="1684953658" sldId="259"/>
+        </pc:sldMkLst>
+        <pc:spChg chg="mod">
+          <ac:chgData name="Christopher Ryan" userId="d88f36e9667cf5e3" providerId="LiveId" clId="{1A614512-55F0-CC48-838D-6783505E3DC2}" dt="2022-05-23T23:49:27.131" v="681" actId="20577"/>
+          <ac:spMkLst>
+            <pc:docMk/>
+            <pc:sldMk cId="1684953658" sldId="259"/>
+            <ac:spMk id="2" creationId="{04C6F7B6-BD0C-EE76-4878-741BFA1644D3}"/>
+          </ac:spMkLst>
+        </pc:spChg>
+        <pc:spChg chg="mod">
+          <ac:chgData name="Christopher Ryan" userId="d88f36e9667cf5e3" providerId="LiveId" clId="{1A614512-55F0-CC48-838D-6783505E3DC2}" dt="2022-05-23T23:48:58.222" v="657" actId="20577"/>
+          <ac:spMkLst>
+            <pc:docMk/>
+            <pc:sldMk cId="1684953658" sldId="259"/>
+            <ac:spMk id="3" creationId="{2AE9B89D-35E4-1494-60ED-45CDBF20239A}"/>
+          </ac:spMkLst>
+        </pc:spChg>
+        <pc:spChg chg="add del mod">
+          <ac:chgData name="Christopher Ryan" userId="d88f36e9667cf5e3" providerId="LiveId" clId="{1A614512-55F0-CC48-838D-6783505E3DC2}" dt="2022-05-23T23:38:44.072" v="117"/>
+          <ac:spMkLst>
+            <pc:docMk/>
+            <pc:sldMk cId="1684953658" sldId="259"/>
+            <ac:spMk id="4" creationId="{D1C70774-1E40-C389-3C45-3D6946054404}"/>
+          </ac:spMkLst>
+        </pc:spChg>
+      </pc:sldChg>
+      <pc:sldChg chg="modSp mod">
+        <pc:chgData name="Christopher Ryan" userId="d88f36e9667cf5e3" providerId="LiveId" clId="{1A614512-55F0-CC48-838D-6783505E3DC2}" dt="2022-05-23T23:50:38.916" v="735" actId="20577"/>
+        <pc:sldMkLst>
+          <pc:docMk/>
+          <pc:sldMk cId="1361871457" sldId="260"/>
+        </pc:sldMkLst>
+        <pc:spChg chg="mod">
+          <ac:chgData name="Christopher Ryan" userId="d88f36e9667cf5e3" providerId="LiveId" clId="{1A614512-55F0-CC48-838D-6783505E3DC2}" dt="2022-05-23T23:50:38.916" v="735" actId="20577"/>
+          <ac:spMkLst>
+            <pc:docMk/>
+            <pc:sldMk cId="1361871457" sldId="260"/>
+            <ac:spMk id="2" creationId="{9F145F18-3DCD-37E3-4370-7C4380F75AC3}"/>
+          </ac:spMkLst>
+        </pc:spChg>
+        <pc:spChg chg="mod">
+          <ac:chgData name="Christopher Ryan" userId="d88f36e9667cf5e3" providerId="LiveId" clId="{1A614512-55F0-CC48-838D-6783505E3DC2}" dt="2022-05-23T23:50:25.888" v="708" actId="5793"/>
+          <ac:spMkLst>
+            <pc:docMk/>
+            <pc:sldMk cId="1361871457" sldId="260"/>
+            <ac:spMk id="3" creationId="{747A2A34-1A58-C60E-4BE8-64CCBF55C36F}"/>
+          </ac:spMkLst>
+        </pc:spChg>
+      </pc:sldChg>
+      <pc:sldChg chg="modSp mod">
+        <pc:chgData name="Christopher Ryan" userId="d88f36e9667cf5e3" providerId="LiveId" clId="{1A614512-55F0-CC48-838D-6783505E3DC2}" dt="2022-05-23T23:50:46.978" v="749" actId="20577"/>
+        <pc:sldMkLst>
+          <pc:docMk/>
+          <pc:sldMk cId="1051865287" sldId="261"/>
+        </pc:sldMkLst>
+        <pc:spChg chg="mod">
+          <ac:chgData name="Christopher Ryan" userId="d88f36e9667cf5e3" providerId="LiveId" clId="{1A614512-55F0-CC48-838D-6783505E3DC2}" dt="2022-05-23T23:50:46.978" v="749" actId="20577"/>
+          <ac:spMkLst>
+            <pc:docMk/>
+            <pc:sldMk cId="1051865287" sldId="261"/>
+            <ac:spMk id="2" creationId="{B3FD9E6E-D258-B940-1D9D-3CA9FFA73E5E}"/>
+          </ac:spMkLst>
+        </pc:spChg>
+        <pc:spChg chg="mod">
+          <ac:chgData name="Christopher Ryan" userId="d88f36e9667cf5e3" providerId="LiveId" clId="{1A614512-55F0-CC48-838D-6783505E3DC2}" dt="2022-05-23T23:44:52.057" v="520" actId="20577"/>
+          <ac:spMkLst>
+            <pc:docMk/>
+            <pc:sldMk cId="1051865287" sldId="261"/>
+            <ac:spMk id="3" creationId="{B566D505-54AA-1212-EA21-AF5CCA635ECF}"/>
+          </ac:spMkLst>
+        </pc:spChg>
+      </pc:sldChg>
+      <pc:sldChg chg="del">
+        <pc:chgData name="Christopher Ryan" userId="d88f36e9667cf5e3" providerId="LiveId" clId="{1A614512-55F0-CC48-838D-6783505E3DC2}" dt="2022-05-23T23:43:37.701" v="395" actId="2696"/>
+        <pc:sldMkLst>
+          <pc:docMk/>
+          <pc:sldMk cId="3240555766" sldId="262"/>
+        </pc:sldMkLst>
+      </pc:sldChg>
+      <pc:sldChg chg="modSp del mod">
+        <pc:chgData name="Christopher Ryan" userId="d88f36e9667cf5e3" providerId="LiveId" clId="{1A614512-55F0-CC48-838D-6783505E3DC2}" dt="2022-05-23T23:51:20.384" v="778" actId="2696"/>
+        <pc:sldMkLst>
+          <pc:docMk/>
+          <pc:sldMk cId="249321416" sldId="263"/>
+        </pc:sldMkLst>
+        <pc:spChg chg="mod">
+          <ac:chgData name="Christopher Ryan" userId="d88f36e9667cf5e3" providerId="LiveId" clId="{1A614512-55F0-CC48-838D-6783505E3DC2}" dt="2022-05-23T23:45:08.623" v="533" actId="20577"/>
+          <ac:spMkLst>
+            <pc:docMk/>
+            <pc:sldMk cId="249321416" sldId="263"/>
+            <ac:spMk id="3" creationId="{25677F37-C33F-2D33-2E27-9114F9B71E42}"/>
+          </ac:spMkLst>
+        </pc:spChg>
+      </pc:sldChg>
+      <pc:sldChg chg="modSp mod">
+        <pc:chgData name="Christopher Ryan" userId="d88f36e9667cf5e3" providerId="LiveId" clId="{1A614512-55F0-CC48-838D-6783505E3DC2}" dt="2022-05-23T23:51:43.859" v="792" actId="20577"/>
+        <pc:sldMkLst>
+          <pc:docMk/>
+          <pc:sldMk cId="2312534051" sldId="264"/>
+        </pc:sldMkLst>
+        <pc:spChg chg="mod">
+          <ac:chgData name="Christopher Ryan" userId="d88f36e9667cf5e3" providerId="LiveId" clId="{1A614512-55F0-CC48-838D-6783505E3DC2}" dt="2022-05-23T23:51:43.859" v="792" actId="20577"/>
+          <ac:spMkLst>
+            <pc:docMk/>
+            <pc:sldMk cId="2312534051" sldId="264"/>
+            <ac:spMk id="2" creationId="{2BFF7C69-1C6E-26DB-2A52-CC1F5DAA972B}"/>
+          </ac:spMkLst>
+        </pc:spChg>
+        <pc:spChg chg="mod">
+          <ac:chgData name="Christopher Ryan" userId="d88f36e9667cf5e3" providerId="LiveId" clId="{1A614512-55F0-CC48-838D-6783505E3DC2}" dt="2022-05-23T23:45:25.170" v="586" actId="20577"/>
+          <ac:spMkLst>
+            <pc:docMk/>
+            <pc:sldMk cId="2312534051" sldId="264"/>
+            <ac:spMk id="3" creationId="{2A0BE238-D604-A370-EBB6-FCFBB36DDC63}"/>
+          </ac:spMkLst>
+        </pc:spChg>
+      </pc:sldChg>
+      <pc:sldChg chg="modSp new mod">
+        <pc:chgData name="Christopher Ryan" userId="d88f36e9667cf5e3" providerId="LiveId" clId="{1A614512-55F0-CC48-838D-6783505E3DC2}" dt="2022-05-23T23:50:05.375" v="706" actId="20577"/>
+        <pc:sldMkLst>
+          <pc:docMk/>
+          <pc:sldMk cId="4087328773" sldId="265"/>
+        </pc:sldMkLst>
+        <pc:spChg chg="mod">
+          <ac:chgData name="Christopher Ryan" userId="d88f36e9667cf5e3" providerId="LiveId" clId="{1A614512-55F0-CC48-838D-6783505E3DC2}" dt="2022-05-23T23:50:05.375" v="706" actId="20577"/>
+          <ac:spMkLst>
+            <pc:docMk/>
+            <pc:sldMk cId="4087328773" sldId="265"/>
+            <ac:spMk id="2" creationId="{78A06F52-E6F2-F7F1-2632-63FDA61FDBAE}"/>
+          </ac:spMkLst>
+        </pc:spChg>
+        <pc:spChg chg="mod">
+          <ac:chgData name="Christopher Ryan" userId="d88f36e9667cf5e3" providerId="LiveId" clId="{1A614512-55F0-CC48-838D-6783505E3DC2}" dt="2022-05-23T23:43:24.669" v="394" actId="20577"/>
+          <ac:spMkLst>
+            <pc:docMk/>
+            <pc:sldMk cId="4087328773" sldId="265"/>
+            <ac:spMk id="3" creationId="{85633FEC-C1AD-3D74-AAEA-40B01D3E6517}"/>
+          </ac:spMkLst>
+        </pc:spChg>
+      </pc:sldChg>
+      <pc:sldChg chg="modSp add mod">
+        <pc:chgData name="Christopher Ryan" userId="d88f36e9667cf5e3" providerId="LiveId" clId="{1A614512-55F0-CC48-838D-6783505E3DC2}" dt="2022-05-23T23:51:08.701" v="777" actId="20577"/>
+        <pc:sldMkLst>
+          <pc:docMk/>
+          <pc:sldMk cId="1331690032" sldId="266"/>
+        </pc:sldMkLst>
+        <pc:spChg chg="mod">
+          <ac:chgData name="Christopher Ryan" userId="d88f36e9667cf5e3" providerId="LiveId" clId="{1A614512-55F0-CC48-838D-6783505E3DC2}" dt="2022-05-23T23:51:08.701" v="777" actId="20577"/>
+          <ac:spMkLst>
+            <pc:docMk/>
+            <pc:sldMk cId="1331690032" sldId="266"/>
+            <ac:spMk id="2" creationId="{B3FD9E6E-D258-B940-1D9D-3CA9FFA73E5E}"/>
+          </ac:spMkLst>
+        </pc:spChg>
+      </pc:sldChg>
+      <pc:sldChg chg="modSp add mod">
+        <pc:chgData name="Christopher Ryan" userId="d88f36e9667cf5e3" providerId="LiveId" clId="{1A614512-55F0-CC48-838D-6783505E3DC2}" dt="2022-05-23T23:51:01.922" v="763" actId="20577"/>
+        <pc:sldMkLst>
+          <pc:docMk/>
+          <pc:sldMk cId="918122934" sldId="267"/>
+        </pc:sldMkLst>
+        <pc:spChg chg="mod">
+          <ac:chgData name="Christopher Ryan" userId="d88f36e9667cf5e3" providerId="LiveId" clId="{1A614512-55F0-CC48-838D-6783505E3DC2}" dt="2022-05-23T23:51:01.922" v="763" actId="20577"/>
+          <ac:spMkLst>
+            <pc:docMk/>
+            <pc:sldMk cId="918122934" sldId="267"/>
+            <ac:spMk id="2" creationId="{B3FD9E6E-D258-B940-1D9D-3CA9FFA73E5E}"/>
+          </ac:spMkLst>
+        </pc:spChg>
+      </pc:sldChg>
+    </pc:docChg>
+  </pc:docChgLst>
+</pc:chgInfo>
 </file>
 
 <file path=ppt/slideLayouts/slideLayout1.xml><?xml version="1.0" encoding="utf-8"?>
@@ -262,7 +511,7 @@
           <a:p>
             <a:fld id="{7CD6D818-F1D1-B24B-9139-07A51671554B}" type="datetimeFigureOut">
               <a:rPr lang="en-US" smtClean="0"/>
-              <a:t>5/22/22</a:t>
+              <a:t>5/23/22</a:t>
             </a:fld>
             <a:endParaRPr lang="en-US"/>
           </a:p>
@@ -460,7 +709,7 @@
           <a:p>
             <a:fld id="{7CD6D818-F1D1-B24B-9139-07A51671554B}" type="datetimeFigureOut">
               <a:rPr lang="en-US" smtClean="0"/>
-              <a:t>5/22/22</a:t>
+              <a:t>5/23/22</a:t>
             </a:fld>
             <a:endParaRPr lang="en-US"/>
           </a:p>
@@ -668,7 +917,7 @@
           <a:p>
             <a:fld id="{7CD6D818-F1D1-B24B-9139-07A51671554B}" type="datetimeFigureOut">
               <a:rPr lang="en-US" smtClean="0"/>
-              <a:t>5/22/22</a:t>
+              <a:t>5/23/22</a:t>
             </a:fld>
             <a:endParaRPr lang="en-US"/>
           </a:p>
@@ -866,7 +1115,7 @@
           <a:p>
             <a:fld id="{7CD6D818-F1D1-B24B-9139-07A51671554B}" type="datetimeFigureOut">
               <a:rPr lang="en-US" smtClean="0"/>
-              <a:t>5/22/22</a:t>
+              <a:t>5/23/22</a:t>
             </a:fld>
             <a:endParaRPr lang="en-US"/>
           </a:p>
@@ -1141,7 +1390,7 @@
           <a:p>
             <a:fld id="{7CD6D818-F1D1-B24B-9139-07A51671554B}" type="datetimeFigureOut">
               <a:rPr lang="en-US" smtClean="0"/>
-              <a:t>5/22/22</a:t>
+              <a:t>5/23/22</a:t>
             </a:fld>
             <a:endParaRPr lang="en-US"/>
           </a:p>
@@ -1406,7 +1655,7 @@
           <a:p>
             <a:fld id="{7CD6D818-F1D1-B24B-9139-07A51671554B}" type="datetimeFigureOut">
               <a:rPr lang="en-US" smtClean="0"/>
-              <a:t>5/22/22</a:t>
+              <a:t>5/23/22</a:t>
             </a:fld>
             <a:endParaRPr lang="en-US"/>
           </a:p>
@@ -1818,7 +2067,7 @@
           <a:p>
             <a:fld id="{7CD6D818-F1D1-B24B-9139-07A51671554B}" type="datetimeFigureOut">
               <a:rPr lang="en-US" smtClean="0"/>
-              <a:t>5/22/22</a:t>
+              <a:t>5/23/22</a:t>
             </a:fld>
             <a:endParaRPr lang="en-US"/>
           </a:p>
@@ -1959,7 +2208,7 @@
           <a:p>
             <a:fld id="{7CD6D818-F1D1-B24B-9139-07A51671554B}" type="datetimeFigureOut">
               <a:rPr lang="en-US" smtClean="0"/>
-              <a:t>5/22/22</a:t>
+              <a:t>5/23/22</a:t>
             </a:fld>
             <a:endParaRPr lang="en-US"/>
           </a:p>
@@ -2072,7 +2321,7 @@
           <a:p>
             <a:fld id="{7CD6D818-F1D1-B24B-9139-07A51671554B}" type="datetimeFigureOut">
               <a:rPr lang="en-US" smtClean="0"/>
-              <a:t>5/22/22</a:t>
+              <a:t>5/23/22</a:t>
             </a:fld>
             <a:endParaRPr lang="en-US"/>
           </a:p>
@@ -2383,7 +2632,7 @@
           <a:p>
             <a:fld id="{7CD6D818-F1D1-B24B-9139-07A51671554B}" type="datetimeFigureOut">
               <a:rPr lang="en-US" smtClean="0"/>
-              <a:t>5/22/22</a:t>
+              <a:t>5/23/22</a:t>
             </a:fld>
             <a:endParaRPr lang="en-US"/>
           </a:p>
@@ -2671,7 +2920,7 @@
           <a:p>
             <a:fld id="{7CD6D818-F1D1-B24B-9139-07A51671554B}" type="datetimeFigureOut">
               <a:rPr lang="en-US" smtClean="0"/>
-              <a:t>5/22/22</a:t>
+              <a:t>5/23/22</a:t>
             </a:fld>
             <a:endParaRPr lang="en-US"/>
           </a:p>
@@ -2912,7 +3161,7 @@
           <a:p>
             <a:fld id="{7CD6D818-F1D1-B24B-9139-07A51671554B}" type="datetimeFigureOut">
               <a:rPr lang="en-US" smtClean="0"/>
-              <a:t>5/22/22</a:t>
+              <a:t>5/23/22</a:t>
             </a:fld>
             <a:endParaRPr lang="en-US"/>
           </a:p>
@@ -3395,6 +3644,97 @@
 </p:sld>
 </file>
 
+<file path=ppt/slides/slide10.xml><?xml version="1.0" encoding="utf-8"?>
+<p:sld xmlns:a="http://schemas.openxmlformats.org/drawingml/2006/main" xmlns:r="http://schemas.openxmlformats.org/officeDocument/2006/relationships" xmlns:p="http://schemas.openxmlformats.org/presentationml/2006/main">
+  <p:cSld>
+    <p:spTree>
+      <p:nvGrpSpPr>
+        <p:cNvPr id="1" name=""/>
+        <p:cNvGrpSpPr/>
+        <p:nvPr/>
+      </p:nvGrpSpPr>
+      <p:grpSpPr>
+        <a:xfrm>
+          <a:off x="0" y="0"/>
+          <a:ext cx="0" cy="0"/>
+          <a:chOff x="0" y="0"/>
+          <a:chExt cx="0" cy="0"/>
+        </a:xfrm>
+      </p:grpSpPr>
+      <p:sp>
+        <p:nvSpPr>
+          <p:cNvPr id="2" name="Title 1">
+            <a:extLst>
+              <a:ext uri="{FF2B5EF4-FFF2-40B4-BE49-F238E27FC236}">
+                <a16:creationId xmlns:a16="http://schemas.microsoft.com/office/drawing/2014/main" id="{2BFF7C69-1C6E-26DB-2A52-CC1F5DAA972B}"/>
+              </a:ext>
+            </a:extLst>
+          </p:cNvPr>
+          <p:cNvSpPr>
+            <a:spLocks noGrp="1"/>
+          </p:cNvSpPr>
+          <p:nvPr>
+            <p:ph type="title"/>
+          </p:nvPr>
+        </p:nvSpPr>
+        <p:spPr/>
+        <p:txBody>
+          <a:bodyPr/>
+          <a:lstStyle/>
+          <a:p>
+            <a:r>
+              <a:rPr lang="en-US" dirty="0"/>
+              <a:t>Conclusions and Recommendations </a:t>
+            </a:r>
+            <a:r>
+              <a:rPr lang="en-US"/>
+              <a:t>(Everybody)</a:t>
+            </a:r>
+            <a:endParaRPr lang="en-US" dirty="0"/>
+          </a:p>
+        </p:txBody>
+      </p:sp>
+      <p:sp>
+        <p:nvSpPr>
+          <p:cNvPr id="3" name="Content Placeholder 2">
+            <a:extLst>
+              <a:ext uri="{FF2B5EF4-FFF2-40B4-BE49-F238E27FC236}">
+                <a16:creationId xmlns:a16="http://schemas.microsoft.com/office/drawing/2014/main" id="{2A0BE238-D604-A370-EBB6-FCFBB36DDC63}"/>
+              </a:ext>
+            </a:extLst>
+          </p:cNvPr>
+          <p:cNvSpPr>
+            <a:spLocks noGrp="1"/>
+          </p:cNvSpPr>
+          <p:nvPr>
+            <p:ph idx="1"/>
+          </p:nvPr>
+        </p:nvSpPr>
+        <p:spPr/>
+        <p:txBody>
+          <a:bodyPr/>
+          <a:lstStyle/>
+          <a:p>
+            <a:r>
+              <a:rPr lang="en-US" dirty="0"/>
+              <a:t>Suggestions for refinements or further areas of study</a:t>
+            </a:r>
+          </a:p>
+        </p:txBody>
+      </p:sp>
+    </p:spTree>
+    <p:extLst>
+      <p:ext uri="{BB962C8B-B14F-4D97-AF65-F5344CB8AC3E}">
+        <p14:creationId xmlns:p14="http://schemas.microsoft.com/office/powerpoint/2010/main" val="2312534051"/>
+      </p:ext>
+    </p:extLst>
+  </p:cSld>
+  <p:clrMapOvr>
+    <a:masterClrMapping/>
+  </p:clrMapOvr>
+</p:sld>
+</file>
+
 <file path=ppt/slides/slide2.xml><?xml version="1.0" encoding="utf-8"?>
 <p:sld xmlns:a="http://schemas.openxmlformats.org/drawingml/2006/main" xmlns:r="http://schemas.openxmlformats.org/officeDocument/2006/relationships" xmlns:p="http://schemas.openxmlformats.org/presentationml/2006/main">
   <p:cSld>
@@ -3435,7 +3775,15 @@
           <a:p>
             <a:r>
               <a:rPr lang="en-US" dirty="0"/>
-              <a:t>Introduction:</a:t>
+              <a:t>Introduction: (</a:t>
+            </a:r>
+            <a:r>
+              <a:rPr lang="en-US" dirty="0" err="1"/>
+              <a:t>Silvania</a:t>
+            </a:r>
+            <a:r>
+              <a:rPr lang="en-US" dirty="0"/>
+              <a:t>)</a:t>
             </a:r>
           </a:p>
         </p:txBody>
@@ -3463,7 +3811,7 @@
           <a:p>
             <a:r>
               <a:rPr lang="en-US" dirty="0"/>
-              <a:t>Background:</a:t>
+              <a:t>Background: </a:t>
             </a:r>
           </a:p>
         </p:txBody>
@@ -3521,7 +3869,7 @@
           <a:p>
             <a:r>
               <a:rPr lang="en-US" dirty="0"/>
-              <a:t>Data Sources:</a:t>
+              <a:t>Data Sources: (Kevin) </a:t>
             </a:r>
           </a:p>
         </p:txBody>
@@ -3547,7 +3895,44 @@
           <a:bodyPr/>
           <a:lstStyle/>
           <a:p>
-            <a:endParaRPr lang="en-US"/>
+            <a:r>
+              <a:rPr lang="en-US" dirty="0"/>
+              <a:t>New York State (</a:t>
+            </a:r>
+            <a:r>
+              <a:rPr lang="en-US" dirty="0" err="1"/>
+              <a:t>countyhealthranking.org</a:t>
+            </a:r>
+            <a:r>
+              <a:rPr lang="en-US" dirty="0"/>
+              <a:t>)</a:t>
+            </a:r>
+          </a:p>
+          <a:p>
+            <a:r>
+              <a:rPr lang="en-US" dirty="0"/>
+              <a:t>FIPS Populations Source (</a:t>
+            </a:r>
+            <a:r>
+              <a:rPr lang="en-US" dirty="0" err="1"/>
+              <a:t>census.gov</a:t>
+            </a:r>
+            <a:r>
+              <a:rPr lang="en-US" dirty="0"/>
+              <a:t>)</a:t>
+            </a:r>
+          </a:p>
+          <a:p>
+            <a:pPr marL="0" indent="0">
+              <a:buNone/>
+            </a:pPr>
+            <a:endParaRPr lang="en-US" dirty="0"/>
+          </a:p>
+          <a:p>
+            <a:r>
+              <a:rPr lang="en-US" dirty="0"/>
+              <a:t>Timeframes</a:t>
+            </a:r>
           </a:p>
         </p:txBody>
       </p:sp>
@@ -3604,7 +3989,7 @@
           <a:p>
             <a:r>
               <a:rPr lang="en-US" dirty="0"/>
-              <a:t>Data Processing:</a:t>
+              <a:t>Data Processing: (Kevin 2 slides)</a:t>
             </a:r>
           </a:p>
         </p:txBody>
@@ -3630,7 +4015,37 @@
           <a:bodyPr/>
           <a:lstStyle/>
           <a:p>
-            <a:endParaRPr lang="en-US"/>
+            <a:r>
+              <a:rPr lang="en-US" dirty="0"/>
+              <a:t>EDA </a:t>
+            </a:r>
+            <a:r>
+              <a:rPr lang="en-US" dirty="0" err="1"/>
+              <a:t>etc</a:t>
+            </a:r>
+            <a:r>
+              <a:rPr lang="en-US" dirty="0"/>
+              <a:t>…</a:t>
+            </a:r>
+          </a:p>
+          <a:p>
+            <a:r>
+              <a:rPr lang="en-US" dirty="0"/>
+              <a:t>R-Studio used for EDA</a:t>
+            </a:r>
+          </a:p>
+          <a:p>
+            <a:r>
+              <a:rPr lang="en-US" dirty="0"/>
+              <a:t>Pandas</a:t>
+            </a:r>
+          </a:p>
+          <a:p>
+            <a:r>
+              <a:rPr lang="en-US" dirty="0" err="1"/>
+              <a:t>Jupyter</a:t>
+            </a:r>
+            <a:endParaRPr lang="en-US" dirty="0"/>
           </a:p>
         </p:txBody>
       </p:sp>
@@ -3669,7 +4084,7 @@
           <p:cNvPr id="2" name="Title 1">
             <a:extLst>
               <a:ext uri="{FF2B5EF4-FFF2-40B4-BE49-F238E27FC236}">
-                <a16:creationId xmlns:a16="http://schemas.microsoft.com/office/drawing/2014/main" id="{9F145F18-3DCD-37E3-4370-7C4380F75AC3}"/>
+                <a16:creationId xmlns:a16="http://schemas.microsoft.com/office/drawing/2014/main" id="{78A06F52-E6F2-F7F1-2632-63FDA61FDBAE}"/>
               </a:ext>
             </a:extLst>
           </p:cNvPr>
@@ -3687,7 +4102,7 @@
           <a:p>
             <a:r>
               <a:rPr lang="en-US" dirty="0"/>
-              <a:t>Machine Learning Models Applied:</a:t>
+              <a:t>Database (Krystal….2 slides)</a:t>
             </a:r>
           </a:p>
         </p:txBody>
@@ -3697,7 +4112,7 @@
           <p:cNvPr id="3" name="Content Placeholder 2">
             <a:extLst>
               <a:ext uri="{FF2B5EF4-FFF2-40B4-BE49-F238E27FC236}">
-                <a16:creationId xmlns:a16="http://schemas.microsoft.com/office/drawing/2014/main" id="{747A2A34-1A58-C60E-4BE8-64CCBF55C36F}"/>
+                <a16:creationId xmlns:a16="http://schemas.microsoft.com/office/drawing/2014/main" id="{85633FEC-C1AD-3D74-AAEA-40B01D3E6517}"/>
               </a:ext>
             </a:extLst>
           </p:cNvPr>
@@ -3713,14 +4128,49 @@
           <a:bodyPr/>
           <a:lstStyle/>
           <a:p>
-            <a:endParaRPr lang="en-US"/>
+            <a:r>
+              <a:rPr lang="en-US" dirty="0" err="1"/>
+              <a:t>PgAdmin</a:t>
+            </a:r>
+            <a:r>
+              <a:rPr lang="en-US" dirty="0"/>
+              <a:t> &amp; </a:t>
+            </a:r>
+            <a:r>
+              <a:rPr lang="en-US" dirty="0" err="1"/>
+              <a:t>PostGres</a:t>
+            </a:r>
+            <a:r>
+              <a:rPr lang="en-US" dirty="0"/>
+              <a:t> SQL</a:t>
+            </a:r>
+          </a:p>
+          <a:p>
+            <a:r>
+              <a:rPr lang="en-US" dirty="0"/>
+              <a:t>Local Database </a:t>
+            </a:r>
+          </a:p>
+          <a:p>
+            <a:r>
+              <a:rPr lang="en-US" dirty="0"/>
+              <a:t>Connection to DB via </a:t>
+            </a:r>
+            <a:r>
+              <a:rPr lang="en-US" dirty="0" err="1"/>
+              <a:t>Jupyter</a:t>
+            </a:r>
+            <a:r>
+              <a:rPr lang="en-US" dirty="0"/>
+              <a:t> Notebook for data processing</a:t>
+            </a:r>
           </a:p>
         </p:txBody>
       </p:sp>
     </p:spTree>
     <p:extLst>
       <p:ext uri="{BB962C8B-B14F-4D97-AF65-F5344CB8AC3E}">
-        <p14:creationId xmlns:p14="http://schemas.microsoft.com/office/powerpoint/2010/main" val="1361871457"/>
+        <p14:creationId xmlns:p14="http://schemas.microsoft.com/office/powerpoint/2010/main" val="4087328773"/>
       </p:ext>
     </p:extLst>
   </p:cSld>
@@ -3752,7 +4202,7 @@
           <p:cNvPr id="2" name="Title 1">
             <a:extLst>
               <a:ext uri="{FF2B5EF4-FFF2-40B4-BE49-F238E27FC236}">
-                <a16:creationId xmlns:a16="http://schemas.microsoft.com/office/drawing/2014/main" id="{B3FD9E6E-D258-B940-1D9D-3CA9FFA73E5E}"/>
+                <a16:creationId xmlns:a16="http://schemas.microsoft.com/office/drawing/2014/main" id="{9F145F18-3DCD-37E3-4370-7C4380F75AC3}"/>
               </a:ext>
             </a:extLst>
           </p:cNvPr>
@@ -3770,7 +4220,15 @@
           <a:p>
             <a:r>
               <a:rPr lang="en-US" dirty="0"/>
-              <a:t>Results</a:t>
+              <a:t>Machine Learning Models Applied: (3 Slides…. </a:t>
+            </a:r>
+            <a:r>
+              <a:rPr lang="en-US" dirty="0" err="1"/>
+              <a:t>Silvania</a:t>
+            </a:r>
+            <a:r>
+              <a:rPr lang="en-US" dirty="0"/>
+              <a:t>)</a:t>
             </a:r>
           </a:p>
         </p:txBody>
@@ -3780,7 +4238,7 @@
           <p:cNvPr id="3" name="Content Placeholder 2">
             <a:extLst>
               <a:ext uri="{FF2B5EF4-FFF2-40B4-BE49-F238E27FC236}">
-                <a16:creationId xmlns:a16="http://schemas.microsoft.com/office/drawing/2014/main" id="{B566D505-54AA-1212-EA21-AF5CCA635ECF}"/>
+                <a16:creationId xmlns:a16="http://schemas.microsoft.com/office/drawing/2014/main" id="{747A2A34-1A58-C60E-4BE8-64CCBF55C36F}"/>
               </a:ext>
             </a:extLst>
           </p:cNvPr>
@@ -3796,14 +4254,29 @@
           <a:bodyPr/>
           <a:lstStyle/>
           <a:p>
-            <a:endParaRPr lang="en-US"/>
+            <a:r>
+              <a:rPr lang="en-US" dirty="0"/>
+              <a:t>Supervised</a:t>
+            </a:r>
+          </a:p>
+          <a:p>
+            <a:r>
+              <a:rPr lang="en-US" dirty="0"/>
+              <a:t>Unsupervised (PCA &amp; HCA, K-Means)</a:t>
+            </a:r>
+          </a:p>
+          <a:p>
+            <a:pPr marL="0" indent="0">
+              <a:buNone/>
+            </a:pPr>
+            <a:endParaRPr lang="en-US" dirty="0"/>
           </a:p>
         </p:txBody>
       </p:sp>
     </p:spTree>
     <p:extLst>
       <p:ext uri="{BB962C8B-B14F-4D97-AF65-F5344CB8AC3E}">
-        <p14:creationId xmlns:p14="http://schemas.microsoft.com/office/powerpoint/2010/main" val="1051865287"/>
+        <p14:creationId xmlns:p14="http://schemas.microsoft.com/office/powerpoint/2010/main" val="1361871457"/>
       </p:ext>
     </p:extLst>
   </p:cSld>
@@ -3835,7 +4308,7 @@
           <p:cNvPr id="2" name="Title 1">
             <a:extLst>
               <a:ext uri="{FF2B5EF4-FFF2-40B4-BE49-F238E27FC236}">
-                <a16:creationId xmlns:a16="http://schemas.microsoft.com/office/drawing/2014/main" id="{06161A70-54D2-E1FB-A078-03E353F9E389}"/>
+                <a16:creationId xmlns:a16="http://schemas.microsoft.com/office/drawing/2014/main" id="{B3FD9E6E-D258-B940-1D9D-3CA9FFA73E5E}"/>
               </a:ext>
             </a:extLst>
           </p:cNvPr>
@@ -3853,7 +4326,7 @@
           <a:p>
             <a:r>
               <a:rPr lang="en-US" dirty="0"/>
-              <a:t>Summary:</a:t>
+              <a:t>Results (Christopher)</a:t>
             </a:r>
           </a:p>
         </p:txBody>
@@ -3863,7 +4336,7 @@
           <p:cNvPr id="3" name="Content Placeholder 2">
             <a:extLst>
               <a:ext uri="{FF2B5EF4-FFF2-40B4-BE49-F238E27FC236}">
-                <a16:creationId xmlns:a16="http://schemas.microsoft.com/office/drawing/2014/main" id="{25677F37-C33F-2D33-2E27-9114F9B71E42}"/>
+                <a16:creationId xmlns:a16="http://schemas.microsoft.com/office/drawing/2014/main" id="{B566D505-54AA-1212-EA21-AF5CCA635ECF}"/>
               </a:ext>
             </a:extLst>
           </p:cNvPr>
@@ -3879,14 +4352,45 @@
           <a:bodyPr/>
           <a:lstStyle/>
           <a:p>
-            <a:endParaRPr lang="en-US"/>
+            <a:r>
+              <a:rPr lang="en-US" dirty="0"/>
+              <a:t>Visualizations </a:t>
+            </a:r>
+          </a:p>
+          <a:p>
+            <a:r>
+              <a:rPr lang="en-US" dirty="0"/>
+              <a:t>Embed Tableau link in </a:t>
+            </a:r>
+            <a:r>
+              <a:rPr lang="en-US" dirty="0" err="1"/>
+              <a:t>powerpoint</a:t>
+            </a:r>
+            <a:endParaRPr lang="en-US" dirty="0"/>
+          </a:p>
+          <a:p>
+            <a:r>
+              <a:rPr lang="en-US" dirty="0"/>
+              <a:t>2 or slides to </a:t>
+            </a:r>
+            <a:r>
+              <a:rPr lang="en-US" dirty="0" err="1"/>
+              <a:t>summarise</a:t>
+            </a:r>
+            <a:r>
+              <a:rPr lang="en-US" dirty="0"/>
+              <a:t> key findings (full details in tableau)</a:t>
+            </a:r>
+          </a:p>
+          <a:p>
+            <a:endParaRPr lang="en-US" dirty="0"/>
           </a:p>
         </p:txBody>
       </p:sp>
     </p:spTree>
     <p:extLst>
       <p:ext uri="{BB962C8B-B14F-4D97-AF65-F5344CB8AC3E}">
-        <p14:creationId xmlns:p14="http://schemas.microsoft.com/office/powerpoint/2010/main" val="249321416"/>
+        <p14:creationId xmlns:p14="http://schemas.microsoft.com/office/powerpoint/2010/main" val="1051865287"/>
       </p:ext>
     </p:extLst>
   </p:cSld>
@@ -3918,7 +4422,7 @@
           <p:cNvPr id="2" name="Title 1">
             <a:extLst>
               <a:ext uri="{FF2B5EF4-FFF2-40B4-BE49-F238E27FC236}">
-                <a16:creationId xmlns:a16="http://schemas.microsoft.com/office/drawing/2014/main" id="{2BFF7C69-1C6E-26DB-2A52-CC1F5DAA972B}"/>
+                <a16:creationId xmlns:a16="http://schemas.microsoft.com/office/drawing/2014/main" id="{B3FD9E6E-D258-B940-1D9D-3CA9FFA73E5E}"/>
               </a:ext>
             </a:extLst>
           </p:cNvPr>
@@ -3936,7 +4440,7 @@
           <a:p>
             <a:r>
               <a:rPr lang="en-US" dirty="0"/>
-              <a:t>Conclusions and Recommendations</a:t>
+              <a:t>Results (Christopher)</a:t>
             </a:r>
           </a:p>
         </p:txBody>
@@ -3946,7 +4450,7 @@
           <p:cNvPr id="3" name="Content Placeholder 2">
             <a:extLst>
               <a:ext uri="{FF2B5EF4-FFF2-40B4-BE49-F238E27FC236}">
-                <a16:creationId xmlns:a16="http://schemas.microsoft.com/office/drawing/2014/main" id="{2A0BE238-D604-A370-EBB6-FCFBB36DDC63}"/>
+                <a16:creationId xmlns:a16="http://schemas.microsoft.com/office/drawing/2014/main" id="{B566D505-54AA-1212-EA21-AF5CCA635ECF}"/>
               </a:ext>
             </a:extLst>
           </p:cNvPr>
@@ -3962,14 +4466,45 @@
           <a:bodyPr/>
           <a:lstStyle/>
           <a:p>
-            <a:endParaRPr lang="en-US"/>
+            <a:r>
+              <a:rPr lang="en-US" dirty="0"/>
+              <a:t>Visualizations </a:t>
+            </a:r>
+          </a:p>
+          <a:p>
+            <a:r>
+              <a:rPr lang="en-US" dirty="0"/>
+              <a:t>Embed Tableau link in </a:t>
+            </a:r>
+            <a:r>
+              <a:rPr lang="en-US" dirty="0" err="1"/>
+              <a:t>powerpoint</a:t>
+            </a:r>
+            <a:endParaRPr lang="en-US" dirty="0"/>
+          </a:p>
+          <a:p>
+            <a:r>
+              <a:rPr lang="en-US" dirty="0"/>
+              <a:t>2 or slides to </a:t>
+            </a:r>
+            <a:r>
+              <a:rPr lang="en-US" dirty="0" err="1"/>
+              <a:t>summarise</a:t>
+            </a:r>
+            <a:r>
+              <a:rPr lang="en-US" dirty="0"/>
+              <a:t> key findings (full details in tableau)</a:t>
+            </a:r>
+          </a:p>
+          <a:p>
+            <a:endParaRPr lang="en-US" dirty="0"/>
           </a:p>
         </p:txBody>
       </p:sp>
     </p:spTree>
     <p:extLst>
       <p:ext uri="{BB962C8B-B14F-4D97-AF65-F5344CB8AC3E}">
-        <p14:creationId xmlns:p14="http://schemas.microsoft.com/office/powerpoint/2010/main" val="2312534051"/>
+        <p14:creationId xmlns:p14="http://schemas.microsoft.com/office/powerpoint/2010/main" val="918122934"/>
       </p:ext>
     </p:extLst>
   </p:cSld>
@@ -4001,7 +4536,7 @@
           <p:cNvPr id="2" name="Title 1">
             <a:extLst>
               <a:ext uri="{FF2B5EF4-FFF2-40B4-BE49-F238E27FC236}">
-                <a16:creationId xmlns:a16="http://schemas.microsoft.com/office/drawing/2014/main" id="{4ACB02B1-85E7-3CC0-67B2-F43AEE274F3C}"/>
+                <a16:creationId xmlns:a16="http://schemas.microsoft.com/office/drawing/2014/main" id="{B3FD9E6E-D258-B940-1D9D-3CA9FFA73E5E}"/>
               </a:ext>
             </a:extLst>
           </p:cNvPr>
@@ -4017,7 +4552,10 @@
           <a:bodyPr/>
           <a:lstStyle/>
           <a:p>
-            <a:endParaRPr lang="en-US"/>
+            <a:r>
+              <a:rPr lang="en-US" dirty="0"/>
+              <a:t>Results (Christopher)</a:t>
+            </a:r>
           </a:p>
         </p:txBody>
       </p:sp>
@@ -4026,7 +4564,7 @@
           <p:cNvPr id="3" name="Content Placeholder 2">
             <a:extLst>
               <a:ext uri="{FF2B5EF4-FFF2-40B4-BE49-F238E27FC236}">
-                <a16:creationId xmlns:a16="http://schemas.microsoft.com/office/drawing/2014/main" id="{4E398FF3-A2A8-5243-0BAC-992D34F43DD9}"/>
+                <a16:creationId xmlns:a16="http://schemas.microsoft.com/office/drawing/2014/main" id="{B566D505-54AA-1212-EA21-AF5CCA635ECF}"/>
               </a:ext>
             </a:extLst>
           </p:cNvPr>
@@ -4042,14 +4580,45 @@
           <a:bodyPr/>
           <a:lstStyle/>
           <a:p>
-            <a:endParaRPr lang="en-US"/>
+            <a:r>
+              <a:rPr lang="en-US" dirty="0"/>
+              <a:t>Visualizations </a:t>
+            </a:r>
+          </a:p>
+          <a:p>
+            <a:r>
+              <a:rPr lang="en-US" dirty="0"/>
+              <a:t>Embed Tableau link in </a:t>
+            </a:r>
+            <a:r>
+              <a:rPr lang="en-US" dirty="0" err="1"/>
+              <a:t>powerpoint</a:t>
+            </a:r>
+            <a:endParaRPr lang="en-US" dirty="0"/>
+          </a:p>
+          <a:p>
+            <a:r>
+              <a:rPr lang="en-US" dirty="0"/>
+              <a:t>2 or slides to </a:t>
+            </a:r>
+            <a:r>
+              <a:rPr lang="en-US" dirty="0" err="1"/>
+              <a:t>summarise</a:t>
+            </a:r>
+            <a:r>
+              <a:rPr lang="en-US" dirty="0"/>
+              <a:t> key findings (full details in tableau)</a:t>
+            </a:r>
+          </a:p>
+          <a:p>
+            <a:endParaRPr lang="en-US" dirty="0"/>
           </a:p>
         </p:txBody>
       </p:sp>
     </p:spTree>
     <p:extLst>
       <p:ext uri="{BB962C8B-B14F-4D97-AF65-F5344CB8AC3E}">
-        <p14:creationId xmlns:p14="http://schemas.microsoft.com/office/powerpoint/2010/main" val="3240555766"/>
+        <p14:creationId xmlns:p14="http://schemas.microsoft.com/office/powerpoint/2010/main" val="1331690032"/>
       </p:ext>
     </p:extLst>
   </p:cSld>
